--- a/mlsys_seminar_tommy.pptx
+++ b/mlsys_seminar_tommy.pptx
@@ -5,7 +5,7 @@
     <p:sldMasterId id="2147483660" r:id="rId1"/>
   </p:sldMasterIdLst>
   <p:notesMasterIdLst>
-    <p:notesMasterId r:id="rId36"/>
+    <p:notesMasterId r:id="rId37"/>
   </p:notesMasterIdLst>
   <p:sldIdLst>
     <p:sldId id="263" r:id="rId2"/>
@@ -41,7 +41,8 @@
     <p:sldId id="421" r:id="rId32"/>
     <p:sldId id="422" r:id="rId33"/>
     <p:sldId id="423" r:id="rId34"/>
-    <p:sldId id="380" r:id="rId35"/>
+    <p:sldId id="424" r:id="rId35"/>
+    <p:sldId id="380" r:id="rId36"/>
   </p:sldIdLst>
   <p:sldSz cx="12192000" cy="6858000"/>
   <p:notesSz cx="6858000" cy="9144000"/>
@@ -230,7 +231,7 @@
           <a:p>
             <a:fld id="{1107AACE-DECF-044F-84A2-0C8ECB6ADA06}" type="datetimeFigureOut">
               <a:rPr lang="en-US" smtClean="0"/>
-              <a:t>2/25/26</a:t>
+              <a:t>2/26/26</a:t>
             </a:fld>
             <a:endParaRPr lang="en-US"/>
           </a:p>
@@ -2357,7 +2358,7 @@
           <a:p>
             <a:fld id="{B3E8125A-D8BB-E74B-8C6E-AB7BD2C997CF}" type="slidenum">
               <a:rPr lang="en-US" smtClean="0"/>
-              <a:t>34</a:t>
+              <a:t>35</a:t>
             </a:fld>
             <a:endParaRPr lang="en-US"/>
           </a:p>
@@ -3202,7 +3203,7 @@
           <a:p>
             <a:fld id="{795D2492-AC70-2141-AC0C-17DCD52B4752}" type="datetime1">
               <a:rPr lang="en-US" smtClean="0"/>
-              <a:t>2/25/26</a:t>
+              <a:t>2/26/26</a:t>
             </a:fld>
             <a:endParaRPr lang="en-US"/>
           </a:p>
@@ -3400,7 +3401,7 @@
           <a:p>
             <a:fld id="{9817235A-17C4-B841-B2B5-CA079511FDEC}" type="datetime1">
               <a:rPr lang="en-US" smtClean="0"/>
-              <a:t>2/25/26</a:t>
+              <a:t>2/26/26</a:t>
             </a:fld>
             <a:endParaRPr lang="en-US"/>
           </a:p>
@@ -3608,7 +3609,7 @@
           <a:p>
             <a:fld id="{F8307E39-E6DB-B341-B0FA-CECD76628CBB}" type="datetime1">
               <a:rPr lang="en-US" smtClean="0"/>
-              <a:t>2/25/26</a:t>
+              <a:t>2/26/26</a:t>
             </a:fld>
             <a:endParaRPr lang="en-US"/>
           </a:p>
@@ -4165,7 +4166,7 @@
           <a:p>
             <a:fld id="{2EBDF429-4C14-7B4A-B19D-A0047B9F1B4B}" type="datetime1">
               <a:rPr lang="en-US" smtClean="0"/>
-              <a:t>2/25/26</a:t>
+              <a:t>2/26/26</a:t>
             </a:fld>
             <a:endParaRPr lang="en-US"/>
           </a:p>
@@ -4440,7 +4441,7 @@
           <a:p>
             <a:fld id="{6DA1236A-87D7-9843-88C4-48A4AF171E86}" type="datetime1">
               <a:rPr lang="en-US" smtClean="0"/>
-              <a:t>2/25/26</a:t>
+              <a:t>2/26/26</a:t>
             </a:fld>
             <a:endParaRPr lang="en-US"/>
           </a:p>
@@ -4705,7 +4706,7 @@
           <a:p>
             <a:fld id="{DFAB6F2B-6FBC-214D-9C4A-C58DF8A7FCB9}" type="datetime1">
               <a:rPr lang="en-US" smtClean="0"/>
-              <a:t>2/25/26</a:t>
+              <a:t>2/26/26</a:t>
             </a:fld>
             <a:endParaRPr lang="en-US"/>
           </a:p>
@@ -5117,7 +5118,7 @@
           <a:p>
             <a:fld id="{41C5FA95-A07E-9941-8A87-BDD29E767DA7}" type="datetime1">
               <a:rPr lang="en-US" smtClean="0"/>
-              <a:t>2/25/26</a:t>
+              <a:t>2/26/26</a:t>
             </a:fld>
             <a:endParaRPr lang="en-US"/>
           </a:p>
@@ -5258,7 +5259,7 @@
           <a:p>
             <a:fld id="{19F1CA85-9E75-364A-887C-5B613827D324}" type="datetime1">
               <a:rPr lang="en-US" smtClean="0"/>
-              <a:t>2/25/26</a:t>
+              <a:t>2/26/26</a:t>
             </a:fld>
             <a:endParaRPr lang="en-US"/>
           </a:p>
@@ -5371,7 +5372,7 @@
           <a:p>
             <a:fld id="{ACE42F5B-1E89-9840-A26C-C6BA2A23E2D0}" type="datetime1">
               <a:rPr lang="en-US" smtClean="0"/>
-              <a:t>2/25/26</a:t>
+              <a:t>2/26/26</a:t>
             </a:fld>
             <a:endParaRPr lang="en-US"/>
           </a:p>
@@ -5682,7 +5683,7 @@
           <a:p>
             <a:fld id="{66FB241E-9E92-8D46-BFD6-E707A04F9829}" type="datetime1">
               <a:rPr lang="en-US" smtClean="0"/>
-              <a:t>2/25/26</a:t>
+              <a:t>2/26/26</a:t>
             </a:fld>
             <a:endParaRPr lang="en-US"/>
           </a:p>
@@ -5970,7 +5971,7 @@
           <a:p>
             <a:fld id="{84A34353-62E4-F94E-ADC1-D1403AD453E1}" type="datetime1">
               <a:rPr lang="en-US" smtClean="0"/>
-              <a:t>2/25/26</a:t>
+              <a:t>2/26/26</a:t>
             </a:fld>
             <a:endParaRPr lang="en-US"/>
           </a:p>
@@ -6211,7 +6212,7 @@
           <a:p>
             <a:fld id="{9F4EA125-C503-9049-954D-E48C32DE308D}" type="datetime1">
               <a:rPr lang="en-US" smtClean="0"/>
-              <a:t>2/25/26</a:t>
+              <a:t>2/26/26</a:t>
             </a:fld>
             <a:endParaRPr lang="en-US"/>
           </a:p>
@@ -30225,7 +30226,7 @@
         <p:spPr>
           <a:xfrm>
             <a:off x="7303814" y="5191203"/>
-            <a:ext cx="1001172" cy="369332"/>
+            <a:ext cx="1191608" cy="369332"/>
           </a:xfrm>
           <a:prstGeom prst="rect">
             <a:avLst/>
@@ -30244,7 +30245,7 @@
                   <a:schemeClr val="accent6"/>
                 </a:solidFill>
               </a:rPr>
-              <a:t>Learned</a:t>
+              <a:t>estimated</a:t>
             </a:r>
           </a:p>
         </p:txBody>
@@ -42789,41 +42790,6 @@
               <a:t>Information of all future events may not be available</a:t>
             </a:r>
           </a:p>
-          <a:p>
-            <a:r>
-              <a:rPr lang="en-US" dirty="0"/>
-              <a:t>…</a:t>
-            </a:r>
-          </a:p>
-        </p:txBody>
-      </p:sp>
-      <p:sp>
-        <p:nvSpPr>
-          <p:cNvPr id="4" name="Slide Number Placeholder 3">
-            <a:extLst>
-              <a:ext uri="{FF2B5EF4-FFF2-40B4-BE49-F238E27FC236}">
-                <a16:creationId xmlns:a16="http://schemas.microsoft.com/office/drawing/2014/main" id="{E6D023A1-8115-5BA0-558C-3FB3AC0CB2BF}"/>
-              </a:ext>
-            </a:extLst>
-          </p:cNvPr>
-          <p:cNvSpPr>
-            <a:spLocks noGrp="1"/>
-          </p:cNvSpPr>
-          <p:nvPr>
-            <p:ph type="sldNum" sz="quarter" idx="12"/>
-          </p:nvPr>
-        </p:nvSpPr>
-        <p:spPr/>
-        <p:txBody>
-          <a:bodyPr/>
-          <a:lstStyle/>
-          <a:p>
-            <a:fld id="{F2F80786-77E6-134C-ADA2-416C85F6726C}" type="slidenum">
-              <a:rPr lang="en-US" smtClean="0"/>
-              <a:t>33</a:t>
-            </a:fld>
-            <a:endParaRPr lang="en-US"/>
-          </a:p>
         </p:txBody>
       </p:sp>
     </p:spTree>
@@ -42840,6 +42806,75 @@
 </file>
 
 <file path=ppt/slides/slide34.xml><?xml version="1.0" encoding="utf-8"?>
+<p:sld xmlns:a="http://schemas.openxmlformats.org/drawingml/2006/main" xmlns:r="http://schemas.openxmlformats.org/officeDocument/2006/relationships" xmlns:p="http://schemas.openxmlformats.org/presentationml/2006/main">
+  <p:cSld>
+    <p:spTree>
+      <p:nvGrpSpPr>
+        <p:cNvPr id="1" name="">
+          <a:extLst>
+            <a:ext uri="{FF2B5EF4-FFF2-40B4-BE49-F238E27FC236}">
+              <a16:creationId xmlns:a16="http://schemas.microsoft.com/office/drawing/2014/main" id="{1C08FAD7-9771-3535-1A7D-C5DB4C586C54}"/>
+            </a:ext>
+          </a:extLst>
+        </p:cNvPr>
+        <p:cNvGrpSpPr/>
+        <p:nvPr/>
+      </p:nvGrpSpPr>
+      <p:grpSpPr>
+        <a:xfrm>
+          <a:off x="0" y="0"/>
+          <a:ext cx="0" cy="0"/>
+          <a:chOff x="0" y="0"/>
+          <a:chExt cx="0" cy="0"/>
+        </a:xfrm>
+      </p:grpSpPr>
+      <p:sp>
+        <p:nvSpPr>
+          <p:cNvPr id="2" name="Title 1">
+            <a:extLst>
+              <a:ext uri="{FF2B5EF4-FFF2-40B4-BE49-F238E27FC236}">
+                <a16:creationId xmlns:a16="http://schemas.microsoft.com/office/drawing/2014/main" id="{FA969444-593E-4CF3-9BEC-ABB473B6D6AA}"/>
+              </a:ext>
+            </a:extLst>
+          </p:cNvPr>
+          <p:cNvSpPr>
+            <a:spLocks noGrp="1"/>
+          </p:cNvSpPr>
+          <p:nvPr>
+            <p:ph type="title"/>
+          </p:nvPr>
+        </p:nvSpPr>
+        <p:spPr>
+          <a:xfrm>
+            <a:off x="4211320" y="2945765"/>
+            <a:ext cx="2941320" cy="1325563"/>
+          </a:xfrm>
+        </p:spPr>
+        <p:txBody>
+          <a:bodyPr/>
+          <a:lstStyle/>
+          <a:p>
+            <a:r>
+              <a:rPr lang="en-US" dirty="0"/>
+              <a:t>Evaluation</a:t>
+            </a:r>
+          </a:p>
+        </p:txBody>
+      </p:sp>
+    </p:spTree>
+    <p:extLst>
+      <p:ext uri="{BB962C8B-B14F-4D97-AF65-F5344CB8AC3E}">
+        <p14:creationId xmlns:p14="http://schemas.microsoft.com/office/powerpoint/2010/main" val="1473680747"/>
+      </p:ext>
+    </p:extLst>
+  </p:cSld>
+  <p:clrMapOvr>
+    <a:masterClrMapping/>
+  </p:clrMapOvr>
+</p:sld>
+</file>
+
+<file path=ppt/slides/slide35.xml><?xml version="1.0" encoding="utf-8"?>
 <p:sld xmlns:a="http://schemas.openxmlformats.org/drawingml/2006/main" xmlns:r="http://schemas.openxmlformats.org/officeDocument/2006/relationships" xmlns:p="http://schemas.openxmlformats.org/presentationml/2006/main">
   <p:cSld>
     <p:spTree>
@@ -42885,53 +42920,7 @@
           <a:p>
             <a:r>
               <a:rPr lang="en-US" dirty="0"/>
-              <a:t>Next steps</a:t>
-            </a:r>
-          </a:p>
-        </p:txBody>
-      </p:sp>
-      <p:sp>
-        <p:nvSpPr>
-          <p:cNvPr id="3" name="Content Placeholder 2">
-            <a:extLst>
-              <a:ext uri="{FF2B5EF4-FFF2-40B4-BE49-F238E27FC236}">
-                <a16:creationId xmlns:a16="http://schemas.microsoft.com/office/drawing/2014/main" id="{EB0717AA-99FC-3FBA-14DA-A906FAD10348}"/>
-              </a:ext>
-            </a:extLst>
-          </p:cNvPr>
-          <p:cNvSpPr>
-            <a:spLocks noGrp="1"/>
-          </p:cNvSpPr>
-          <p:nvPr>
-            <p:ph idx="1"/>
-          </p:nvPr>
-        </p:nvSpPr>
-        <p:spPr/>
-        <p:txBody>
-          <a:bodyPr>
-            <a:normAutofit/>
-          </a:bodyPr>
-          <a:lstStyle/>
-          <a:p>
-            <a:r>
-              <a:rPr lang="en-US" dirty="0"/>
-              <a:t>Online sequencing</a:t>
-            </a:r>
-          </a:p>
-          <a:p>
-            <a:endParaRPr lang="en-US" dirty="0"/>
-          </a:p>
-          <a:p>
-            <a:r>
-              <a:rPr lang="en-US" dirty="0"/>
-              <a:t>Generalizing to cycles in the </a:t>
-            </a:r>
-            <a:br>
-              <a:rPr lang="en-US" dirty="0"/>
-            </a:br>
-            <a:r>
-              <a:rPr lang="en-US" dirty="0"/>
-              <a:t>likely-happened-before graph</a:t>
+              <a:t>Thanks!</a:t>
             </a:r>
           </a:p>
         </p:txBody>
@@ -42950,10 +42939,10 @@
         </p:nvGrpSpPr>
         <p:grpSpPr>
           <a:xfrm>
-            <a:off x="3445422" y="904557"/>
-            <a:ext cx="7908378" cy="4642506"/>
-            <a:chOff x="3445422" y="904557"/>
-            <a:chExt cx="7908378" cy="4642506"/>
+            <a:off x="3445422" y="1229667"/>
+            <a:ext cx="4023537" cy="4520586"/>
+            <a:chOff x="3445422" y="1026477"/>
+            <a:chExt cx="4023537" cy="4520586"/>
           </a:xfrm>
         </p:grpSpPr>
         <p:sp>
@@ -43039,7 +43028,7 @@
           </p:blipFill>
           <p:spPr>
             <a:xfrm>
-              <a:off x="8033543" y="904557"/>
+              <a:off x="3797061" y="1026477"/>
               <a:ext cx="3320257" cy="3320257"/>
             </a:xfrm>
             <a:prstGeom prst="rect">
@@ -43082,7 +43071,7 @@
                             </p:stCondLst>
                             <p:childTnLst>
                               <p:par>
-                                <p:cTn id="5" presetID="1" presetClass="entr" presetSubtype="0" fill="hold" grpId="0" nodeType="clickEffect">
+                                <p:cTn id="5" presetID="1" presetClass="entr" presetSubtype="0" fill="hold" nodeType="clickEffect">
                                   <p:stCondLst>
                                     <p:cond delay="0"/>
                                   </p:stCondLst>
@@ -43090,86 +43079,6 @@
                                     <p:set>
                                       <p:cBhvr>
                                         <p:cTn id="6" dur="1" fill="hold">
-                                          <p:stCondLst>
-                                            <p:cond delay="0"/>
-                                          </p:stCondLst>
-                                        </p:cTn>
-                                        <p:tgtEl>
-                                          <p:spTgt spid="3">
-                                            <p:txEl>
-                                              <p:pRg st="0" end="0"/>
-                                            </p:txEl>
-                                          </p:spTgt>
-                                        </p:tgtEl>
-                                        <p:attrNameLst>
-                                          <p:attrName>style.visibility</p:attrName>
-                                        </p:attrNameLst>
-                                      </p:cBhvr>
-                                      <p:to>
-                                        <p:strVal val="visible"/>
-                                      </p:to>
-                                    </p:set>
-                                  </p:childTnLst>
-                                </p:cTn>
-                              </p:par>
-                              <p:par>
-                                <p:cTn id="7" presetID="1" presetClass="entr" presetSubtype="0" fill="hold" grpId="0" nodeType="withEffect">
-                                  <p:stCondLst>
-                                    <p:cond delay="0"/>
-                                  </p:stCondLst>
-                                  <p:childTnLst>
-                                    <p:set>
-                                      <p:cBhvr>
-                                        <p:cTn id="8" dur="1" fill="hold">
-                                          <p:stCondLst>
-                                            <p:cond delay="0"/>
-                                          </p:stCondLst>
-                                        </p:cTn>
-                                        <p:tgtEl>
-                                          <p:spTgt spid="3">
-                                            <p:txEl>
-                                              <p:pRg st="2" end="2"/>
-                                            </p:txEl>
-                                          </p:spTgt>
-                                        </p:tgtEl>
-                                        <p:attrNameLst>
-                                          <p:attrName>style.visibility</p:attrName>
-                                        </p:attrNameLst>
-                                      </p:cBhvr>
-                                      <p:to>
-                                        <p:strVal val="visible"/>
-                                      </p:to>
-                                    </p:set>
-                                  </p:childTnLst>
-                                </p:cTn>
-                              </p:par>
-                            </p:childTnLst>
-                          </p:cTn>
-                        </p:par>
-                      </p:childTnLst>
-                    </p:cTn>
-                  </p:par>
-                  <p:par>
-                    <p:cTn id="9" fill="hold">
-                      <p:stCondLst>
-                        <p:cond delay="indefinite"/>
-                      </p:stCondLst>
-                      <p:childTnLst>
-                        <p:par>
-                          <p:cTn id="10" fill="hold">
-                            <p:stCondLst>
-                              <p:cond delay="0"/>
-                            </p:stCondLst>
-                            <p:childTnLst>
-                              <p:par>
-                                <p:cTn id="11" presetID="1" presetClass="entr" presetSubtype="0" fill="hold" nodeType="clickEffect">
-                                  <p:stCondLst>
-                                    <p:cond delay="0"/>
-                                  </p:stCondLst>
-                                  <p:childTnLst>
-                                    <p:set>
-                                      <p:cBhvr>
-                                        <p:cTn id="12" dur="1" fill="hold">
                                           <p:stCondLst>
                                             <p:cond delay="0"/>
                                           </p:stCondLst>
@@ -43215,9 +43124,6 @@
         </p:cTn>
       </p:par>
     </p:tnLst>
-    <p:bldLst>
-      <p:bldP spid="3" grpId="0" uiExpand="1" build="p"/>
-    </p:bldLst>
   </p:timing>
 </p:sld>
 </file>

--- a/mlsys_seminar_tommy.pptx
+++ b/mlsys_seminar_tommy.pptx
@@ -42846,7 +42846,7 @@
         </p:nvSpPr>
         <p:spPr>
           <a:xfrm>
-            <a:off x="4211320" y="2945765"/>
+            <a:off x="4150360" y="1228725"/>
             <a:ext cx="2941320" cy="1325563"/>
           </a:xfrm>
         </p:spPr>
@@ -42861,6 +42861,60 @@
           </a:p>
         </p:txBody>
       </p:sp>
+      <p:sp>
+        <p:nvSpPr>
+          <p:cNvPr id="7" name="Title 1">
+            <a:extLst>
+              <a:ext uri="{FF2B5EF4-FFF2-40B4-BE49-F238E27FC236}">
+                <a16:creationId xmlns:a16="http://schemas.microsoft.com/office/drawing/2014/main" id="{EA2659D6-7A10-6AF9-AF9A-6C9903DE20AA}"/>
+              </a:ext>
+            </a:extLst>
+          </p:cNvPr>
+          <p:cNvSpPr txBox="1">
+            <a:spLocks/>
+          </p:cNvSpPr>
+          <p:nvPr/>
+        </p:nvSpPr>
+        <p:spPr>
+          <a:xfrm>
+            <a:off x="4150360" y="2103437"/>
+            <a:ext cx="3591560" cy="1325563"/>
+          </a:xfrm>
+          <a:prstGeom prst="rect">
+            <a:avLst/>
+          </a:prstGeom>
+        </p:spPr>
+        <p:txBody>
+          <a:bodyPr vert="horz" lIns="91440" tIns="45720" rIns="91440" bIns="45720" rtlCol="0" anchor="ctr">
+            <a:normAutofit/>
+          </a:bodyPr>
+          <a:lstStyle>
+            <a:lvl1pPr algn="l" defTabSz="914400" rtl="0" eaLnBrk="1" latinLnBrk="0" hangingPunct="1">
+              <a:lnSpc>
+                <a:spcPct val="90000"/>
+              </a:lnSpc>
+              <a:spcBef>
+                <a:spcPct val="0"/>
+              </a:spcBef>
+              <a:buNone/>
+              <a:defRPr sz="4400" kern="1200">
+                <a:solidFill>
+                  <a:schemeClr val="tx1"/>
+                </a:solidFill>
+                <a:latin typeface="+mj-lt"/>
+                <a:ea typeface="+mj-ea"/>
+                <a:cs typeface="+mj-cs"/>
+              </a:defRPr>
+            </a:lvl1pPr>
+          </a:lstStyle>
+          <a:p>
+            <a:r>
+              <a:rPr lang="en-US" dirty="0"/>
+              <a:t>Ground Truth?</a:t>
+            </a:r>
+          </a:p>
+        </p:txBody>
+      </p:sp>
     </p:spTree>
     <p:extLst>
       <p:ext uri="{BB962C8B-B14F-4D97-AF65-F5344CB8AC3E}">
@@ -42871,185 +42925,6 @@
   <p:clrMapOvr>
     <a:masterClrMapping/>
   </p:clrMapOvr>
-</p:sld>
-</file>
-
-<file path=ppt/slides/slide35.xml><?xml version="1.0" encoding="utf-8"?>
-<p:sld xmlns:a="http://schemas.openxmlformats.org/drawingml/2006/main" xmlns:r="http://schemas.openxmlformats.org/officeDocument/2006/relationships" xmlns:p="http://schemas.openxmlformats.org/presentationml/2006/main">
-  <p:cSld>
-    <p:spTree>
-      <p:nvGrpSpPr>
-        <p:cNvPr id="1" name="">
-          <a:extLst>
-            <a:ext uri="{FF2B5EF4-FFF2-40B4-BE49-F238E27FC236}">
-              <a16:creationId xmlns:a16="http://schemas.microsoft.com/office/drawing/2014/main" id="{23D430DB-EFD4-794A-52D3-83D77D8347F8}"/>
-            </a:ext>
-          </a:extLst>
-        </p:cNvPr>
-        <p:cNvGrpSpPr/>
-        <p:nvPr/>
-      </p:nvGrpSpPr>
-      <p:grpSpPr>
-        <a:xfrm>
-          <a:off x="0" y="0"/>
-          <a:ext cx="0" cy="0"/>
-          <a:chOff x="0" y="0"/>
-          <a:chExt cx="0" cy="0"/>
-        </a:xfrm>
-      </p:grpSpPr>
-      <p:sp>
-        <p:nvSpPr>
-          <p:cNvPr id="2" name="Title 1">
-            <a:extLst>
-              <a:ext uri="{FF2B5EF4-FFF2-40B4-BE49-F238E27FC236}">
-                <a16:creationId xmlns:a16="http://schemas.microsoft.com/office/drawing/2014/main" id="{68CC4DE2-C60D-E25B-3D97-4096991461F9}"/>
-              </a:ext>
-            </a:extLst>
-          </p:cNvPr>
-          <p:cNvSpPr>
-            <a:spLocks noGrp="1"/>
-          </p:cNvSpPr>
-          <p:nvPr>
-            <p:ph type="title"/>
-          </p:nvPr>
-        </p:nvSpPr>
-        <p:spPr/>
-        <p:txBody>
-          <a:bodyPr/>
-          <a:lstStyle/>
-          <a:p>
-            <a:r>
-              <a:rPr lang="en-US" dirty="0"/>
-              <a:t>Thanks!</a:t>
-            </a:r>
-          </a:p>
-        </p:txBody>
-      </p:sp>
-      <p:grpSp>
-        <p:nvGrpSpPr>
-          <p:cNvPr id="10" name="Group 9">
-            <a:extLst>
-              <a:ext uri="{FF2B5EF4-FFF2-40B4-BE49-F238E27FC236}">
-                <a16:creationId xmlns:a16="http://schemas.microsoft.com/office/drawing/2014/main" id="{D8147C2A-F2F3-AB58-97F9-E6FCA303C7F3}"/>
-              </a:ext>
-            </a:extLst>
-          </p:cNvPr>
-          <p:cNvGrpSpPr/>
-          <p:nvPr/>
-        </p:nvGrpSpPr>
-        <p:grpSpPr>
-          <a:xfrm>
-            <a:off x="3445422" y="1229667"/>
-            <a:ext cx="4023537" cy="4520586"/>
-            <a:chOff x="3445422" y="1026477"/>
-            <a:chExt cx="4023537" cy="4520586"/>
-          </a:xfrm>
-        </p:grpSpPr>
-        <p:sp>
-          <p:nvSpPr>
-            <p:cNvPr id="5" name="TextBox 4">
-              <a:extLst>
-                <a:ext uri="{FF2B5EF4-FFF2-40B4-BE49-F238E27FC236}">
-                  <a16:creationId xmlns:a16="http://schemas.microsoft.com/office/drawing/2014/main" id="{A1F76CFF-5048-1FE3-1C34-144DBB2E2B9E}"/>
-                </a:ext>
-              </a:extLst>
-            </p:cNvPr>
-            <p:cNvSpPr txBox="1"/>
-            <p:nvPr/>
-          </p:nvSpPr>
-          <p:spPr>
-            <a:xfrm>
-              <a:off x="3445422" y="4346734"/>
-              <a:ext cx="4023537" cy="1200329"/>
-            </a:xfrm>
-            <a:prstGeom prst="rect">
-              <a:avLst/>
-            </a:prstGeom>
-            <a:noFill/>
-          </p:spPr>
-          <p:txBody>
-            <a:bodyPr wrap="none" rtlCol="0">
-              <a:spAutoFit/>
-            </a:bodyPr>
-            <a:lstStyle/>
-            <a:p>
-              <a:r>
-                <a:rPr lang="en-US" sz="3600" dirty="0"/>
-                <a:t>mh6218@nyu.edu</a:t>
-              </a:r>
-            </a:p>
-            <a:p>
-              <a:r>
-                <a:rPr lang="en-US" sz="3600" dirty="0" err="1">
-                  <a:solidFill>
-                    <a:srgbClr val="FF0000"/>
-                  </a:solidFill>
-                </a:rPr>
-                <a:t>haseeb</a:t>
-              </a:r>
-              <a:r>
-                <a:rPr lang="en-US" sz="3600" dirty="0" err="1">
-                  <a:solidFill>
-                    <a:schemeClr val="accent1">
-                      <a:lumMod val="60000"/>
-                      <a:lumOff val="40000"/>
-                    </a:schemeClr>
-                  </a:solidFill>
-                </a:rPr>
-                <a:t>ashfaq</a:t>
-              </a:r>
-              <a:r>
-                <a:rPr lang="en-US" sz="3600" dirty="0" err="1"/>
-                <a:t>.com</a:t>
-              </a:r>
-              <a:endParaRPr lang="en-US" sz="3600" dirty="0"/>
-            </a:p>
-          </p:txBody>
-        </p:sp>
-        <p:pic>
-          <p:nvPicPr>
-            <p:cNvPr id="9" name="Picture 8" descr="haseebashfaq.com">
-              <a:extLst>
-                <a:ext uri="{FF2B5EF4-FFF2-40B4-BE49-F238E27FC236}">
-                  <a16:creationId xmlns:a16="http://schemas.microsoft.com/office/drawing/2014/main" id="{C951BD39-F182-B5E1-5642-B9F6CE8A4275}"/>
-                </a:ext>
-              </a:extLst>
-            </p:cNvPr>
-            <p:cNvPicPr>
-              <a:picLocks noChangeAspect="1"/>
-            </p:cNvPicPr>
-            <p:nvPr/>
-          </p:nvPicPr>
-          <p:blipFill>
-            <a:blip r:embed="rId3"/>
-            <a:stretch>
-              <a:fillRect/>
-            </a:stretch>
-          </p:blipFill>
-          <p:spPr>
-            <a:xfrm>
-              <a:off x="3797061" y="1026477"/>
-              <a:ext cx="3320257" cy="3320257"/>
-            </a:xfrm>
-            <a:prstGeom prst="rect">
-              <a:avLst/>
-            </a:prstGeom>
-          </p:spPr>
-        </p:pic>
-      </p:grpSp>
-    </p:spTree>
-    <p:extLst>
-      <p:ext uri="{BB962C8B-B14F-4D97-AF65-F5344CB8AC3E}">
-        <p14:creationId xmlns:p14="http://schemas.microsoft.com/office/powerpoint/2010/main" val="2393909504"/>
-      </p:ext>
-    </p:extLst>
-  </p:cSld>
-  <p:clrMapOvr>
-    <a:masterClrMapping/>
-  </p:clrMapOvr>
-  <p:transition>
-    <p:strips dir="rd"/>
-  </p:transition>
   <p:timing>
     <p:tnLst>
       <p:par>
@@ -43071,7 +42946,7 @@
                             </p:stCondLst>
                             <p:childTnLst>
                               <p:par>
-                                <p:cTn id="5" presetID="1" presetClass="entr" presetSubtype="0" fill="hold" nodeType="clickEffect">
+                                <p:cTn id="5" presetID="3" presetClass="entr" presetSubtype="10" fill="hold" grpId="0" nodeType="clickEffect">
                                   <p:stCondLst>
                                     <p:cond delay="0"/>
                                   </p:stCondLst>
@@ -43084,7 +42959,7 @@
                                           </p:stCondLst>
                                         </p:cTn>
                                         <p:tgtEl>
-                                          <p:spTgt spid="10"/>
+                                          <p:spTgt spid="7"/>
                                         </p:tgtEl>
                                         <p:attrNameLst>
                                           <p:attrName>style.visibility</p:attrName>
@@ -43094,6 +42969,14 @@
                                         <p:strVal val="visible"/>
                                       </p:to>
                                     </p:set>
+                                    <p:animEffect transition="in" filter="blinds(horizontal)">
+                                      <p:cBhvr>
+                                        <p:cTn id="7" dur="500"/>
+                                        <p:tgtEl>
+                                          <p:spTgt spid="7"/>
+                                        </p:tgtEl>
+                                      </p:cBhvr>
+                                    </p:animEffect>
                                   </p:childTnLst>
                                 </p:cTn>
                               </p:par>
@@ -43124,7 +43007,137 @@
         </p:cTn>
       </p:par>
     </p:tnLst>
+    <p:bldLst>
+      <p:bldP spid="7" grpId="0"/>
+    </p:bldLst>
   </p:timing>
+</p:sld>
+</file>
+
+<file path=ppt/slides/slide35.xml><?xml version="1.0" encoding="utf-8"?>
+<p:sld xmlns:a="http://schemas.openxmlformats.org/drawingml/2006/main" xmlns:r="http://schemas.openxmlformats.org/officeDocument/2006/relationships" xmlns:p="http://schemas.openxmlformats.org/presentationml/2006/main">
+  <p:cSld>
+    <p:spTree>
+      <p:nvGrpSpPr>
+        <p:cNvPr id="1" name="">
+          <a:extLst>
+            <a:ext uri="{FF2B5EF4-FFF2-40B4-BE49-F238E27FC236}">
+              <a16:creationId xmlns:a16="http://schemas.microsoft.com/office/drawing/2014/main" id="{23D430DB-EFD4-794A-52D3-83D77D8347F8}"/>
+            </a:ext>
+          </a:extLst>
+        </p:cNvPr>
+        <p:cNvGrpSpPr/>
+        <p:nvPr/>
+      </p:nvGrpSpPr>
+      <p:grpSpPr>
+        <a:xfrm>
+          <a:off x="0" y="0"/>
+          <a:ext cx="0" cy="0"/>
+          <a:chOff x="0" y="0"/>
+          <a:chExt cx="0" cy="0"/>
+        </a:xfrm>
+      </p:grpSpPr>
+      <p:sp>
+        <p:nvSpPr>
+          <p:cNvPr id="2" name="Title 1">
+            <a:extLst>
+              <a:ext uri="{FF2B5EF4-FFF2-40B4-BE49-F238E27FC236}">
+                <a16:creationId xmlns:a16="http://schemas.microsoft.com/office/drawing/2014/main" id="{68CC4DE2-C60D-E25B-3D97-4096991461F9}"/>
+              </a:ext>
+            </a:extLst>
+          </p:cNvPr>
+          <p:cNvSpPr>
+            <a:spLocks noGrp="1"/>
+          </p:cNvSpPr>
+          <p:nvPr>
+            <p:ph type="title"/>
+          </p:nvPr>
+        </p:nvSpPr>
+        <p:spPr>
+          <a:xfrm>
+            <a:off x="4119880" y="1889125"/>
+            <a:ext cx="10515600" cy="1325563"/>
+          </a:xfrm>
+        </p:spPr>
+        <p:txBody>
+          <a:bodyPr/>
+          <a:lstStyle/>
+          <a:p>
+            <a:r>
+              <a:rPr lang="en-US" dirty="0"/>
+              <a:t>Thanks!</a:t>
+            </a:r>
+          </a:p>
+        </p:txBody>
+      </p:sp>
+      <p:sp>
+        <p:nvSpPr>
+          <p:cNvPr id="5" name="TextBox 4">
+            <a:extLst>
+              <a:ext uri="{FF2B5EF4-FFF2-40B4-BE49-F238E27FC236}">
+                <a16:creationId xmlns:a16="http://schemas.microsoft.com/office/drawing/2014/main" id="{A1F76CFF-5048-1FE3-1C34-144DBB2E2B9E}"/>
+              </a:ext>
+            </a:extLst>
+          </p:cNvPr>
+          <p:cNvSpPr txBox="1"/>
+          <p:nvPr/>
+        </p:nvSpPr>
+        <p:spPr>
+          <a:xfrm>
+            <a:off x="3414942" y="3310404"/>
+            <a:ext cx="4023537" cy="646331"/>
+          </a:xfrm>
+          <a:prstGeom prst="rect">
+            <a:avLst/>
+          </a:prstGeom>
+          <a:noFill/>
+        </p:spPr>
+        <p:txBody>
+          <a:bodyPr wrap="none" rtlCol="0">
+            <a:spAutoFit/>
+          </a:bodyPr>
+          <a:lstStyle/>
+          <a:p>
+            <a:r>
+              <a:rPr lang="en-US" sz="3600" dirty="0" err="1">
+                <a:solidFill>
+                  <a:srgbClr val="FF0000"/>
+                </a:solidFill>
+              </a:rPr>
+              <a:t>haseeb</a:t>
+            </a:r>
+            <a:r>
+              <a:rPr lang="en-US" sz="3600" dirty="0" err="1">
+                <a:solidFill>
+                  <a:schemeClr val="accent1">
+                    <a:lumMod val="60000"/>
+                    <a:lumOff val="40000"/>
+                  </a:schemeClr>
+                </a:solidFill>
+              </a:rPr>
+              <a:t>ashfaq</a:t>
+            </a:r>
+            <a:r>
+              <a:rPr lang="en-US" sz="3600" dirty="0" err="1"/>
+              <a:t>.com</a:t>
+            </a:r>
+            <a:endParaRPr lang="en-US" sz="3600" dirty="0"/>
+          </a:p>
+        </p:txBody>
+      </p:sp>
+    </p:spTree>
+    <p:extLst>
+      <p:ext uri="{BB962C8B-B14F-4D97-AF65-F5344CB8AC3E}">
+        <p14:creationId xmlns:p14="http://schemas.microsoft.com/office/powerpoint/2010/main" val="2393909504"/>
+      </p:ext>
+    </p:extLst>
+  </p:cSld>
+  <p:clrMapOvr>
+    <a:masterClrMapping/>
+  </p:clrMapOvr>
+  <p:transition>
+    <p:strips dir="rd"/>
+  </p:transition>
 </p:sld>
 </file>
 

--- a/mlsys_seminar_tommy.pptx
+++ b/mlsys_seminar_tommy.pptx
@@ -8,7 +8,7 @@
     <p:notesMasterId r:id="rId37"/>
   </p:notesMasterIdLst>
   <p:sldIdLst>
-    <p:sldId id="263" r:id="rId2"/>
+    <p:sldId id="425" r:id="rId2"/>
     <p:sldId id="351" r:id="rId3"/>
     <p:sldId id="352" r:id="rId4"/>
     <p:sldId id="353" r:id="rId5"/>
@@ -6617,14 +6617,6 @@
 <file path=ppt/slides/slide1.xml><?xml version="1.0" encoding="utf-8"?>
 <p:sld xmlns:a="http://schemas.openxmlformats.org/drawingml/2006/main" xmlns:r="http://schemas.openxmlformats.org/officeDocument/2006/relationships" xmlns:p="http://schemas.openxmlformats.org/presentationml/2006/main">
   <p:cSld>
-    <p:bg>
-      <p:bgPr>
-        <a:solidFill>
-          <a:schemeClr val="bg1"/>
-        </a:solidFill>
-        <a:effectLst/>
-      </p:bgPr>
-    </p:bg>
     <p:spTree>
       <p:nvGrpSpPr>
         <p:cNvPr id="1" name=""/>
@@ -6639,578 +6631,6 @@
           <a:chExt cx="0" cy="0"/>
         </a:xfrm>
       </p:grpSpPr>
-      <p:sp useBgFill="1">
-        <p:nvSpPr>
-          <p:cNvPr id="7" name="Rectangle 6">
-            <a:extLst>
-              <a:ext uri="{FF2B5EF4-FFF2-40B4-BE49-F238E27FC236}">
-                <a16:creationId xmlns:a16="http://schemas.microsoft.com/office/drawing/2014/main" id="{FFD48BC7-DC40-47DE-87EE-9F4B6ECB9ABB}"/>
-              </a:ext>
-              <a:ext uri="{C183D7F6-B498-43B3-948B-1728B52AA6E4}">
-                <adec:decorative xmlns:adec="http://schemas.microsoft.com/office/drawing/2017/decorative" val="1"/>
-              </a:ext>
-            </a:extLst>
-          </p:cNvPr>
-          <p:cNvSpPr>
-            <a:spLocks noGrp="1" noRot="1" noChangeAspect="1" noMove="1" noResize="1" noEditPoints="1" noAdjustHandles="1" noChangeArrowheads="1" noChangeShapeType="1" noTextEdit="1"/>
-          </p:cNvSpPr>
-          <p:nvPr>
-            <p:extLst>
-              <p:ext uri="{386F3935-93C4-4BCD-93E2-E3B085C9AB24}">
-                <p16:designElem xmlns:p16="http://schemas.microsoft.com/office/powerpoint/2015/main" val="1"/>
-              </p:ext>
-            </p:extLst>
-          </p:nvPr>
-        </p:nvSpPr>
-        <p:spPr>
-          <a:xfrm>
-            <a:off x="0" y="0"/>
-            <a:ext cx="12192000" cy="6858000"/>
-          </a:xfrm>
-          <a:prstGeom prst="rect">
-            <a:avLst/>
-          </a:prstGeom>
-          <a:ln>
-            <a:noFill/>
-          </a:ln>
-        </p:spPr>
-        <p:style>
-          <a:lnRef idx="2">
-            <a:schemeClr val="accent1">
-              <a:shade val="50000"/>
-            </a:schemeClr>
-          </a:lnRef>
-          <a:fillRef idx="1">
-            <a:schemeClr val="accent1"/>
-          </a:fillRef>
-          <a:effectRef idx="0">
-            <a:schemeClr val="accent1"/>
-          </a:effectRef>
-          <a:fontRef idx="minor">
-            <a:schemeClr val="lt1"/>
-          </a:fontRef>
-        </p:style>
-        <p:txBody>
-          <a:bodyPr rtlCol="0" anchor="ctr"/>
-          <a:lstStyle/>
-          <a:p>
-            <a:pPr marL="0" marR="0" lvl="0" indent="0" algn="ctr" defTabSz="914400" rtl="0" eaLnBrk="1" fontAlgn="auto" latinLnBrk="0" hangingPunct="1">
-              <a:lnSpc>
-                <a:spcPct val="100000"/>
-              </a:lnSpc>
-              <a:spcBef>
-                <a:spcPts val="0"/>
-              </a:spcBef>
-              <a:spcAft>
-                <a:spcPts val="0"/>
-              </a:spcAft>
-              <a:buClrTx/>
-              <a:buSzTx/>
-              <a:buFontTx/>
-              <a:buNone/>
-              <a:tabLst/>
-              <a:defRPr/>
-            </a:pPr>
-            <a:endParaRPr kumimoji="0" lang="en-US" sz="1800" b="0" i="0" u="none" strike="noStrike" kern="1200" cap="none" spc="0" normalizeH="0" baseline="0" noProof="0">
-              <a:ln>
-                <a:noFill/>
-              </a:ln>
-              <a:solidFill>
-                <a:prstClr val="white"/>
-              </a:solidFill>
-              <a:effectLst/>
-              <a:uLnTx/>
-              <a:uFillTx/>
-              <a:latin typeface="Aptos" panose="02110004020202020204"/>
-              <a:ea typeface="+mn-ea"/>
-              <a:cs typeface="+mn-cs"/>
-            </a:endParaRPr>
-          </a:p>
-        </p:txBody>
-      </p:sp>
-      <p:sp useBgFill="1">
-        <p:nvSpPr>
-          <p:cNvPr id="9" name="Freeform: Shape 8">
-            <a:extLst>
-              <a:ext uri="{FF2B5EF4-FFF2-40B4-BE49-F238E27FC236}">
-                <a16:creationId xmlns:a16="http://schemas.microsoft.com/office/drawing/2014/main" id="{E502BBC7-2C76-46F3-BC24-5985BC13DB88}"/>
-              </a:ext>
-              <a:ext uri="{C183D7F6-B498-43B3-948B-1728B52AA6E4}">
-                <adec:decorative xmlns:adec="http://schemas.microsoft.com/office/drawing/2017/decorative" val="1"/>
-              </a:ext>
-            </a:extLst>
-          </p:cNvPr>
-          <p:cNvSpPr>
-            <a:spLocks noGrp="1" noRot="1" noChangeAspect="1" noMove="1" noResize="1" noEditPoints="1" noAdjustHandles="1" noChangeArrowheads="1" noChangeShapeType="1" noTextEdit="1"/>
-          </p:cNvSpPr>
-          <p:nvPr>
-            <p:extLst>
-              <p:ext uri="{386F3935-93C4-4BCD-93E2-E3B085C9AB24}">
-                <p16:designElem xmlns:p16="http://schemas.microsoft.com/office/powerpoint/2015/main" val="1"/>
-              </p:ext>
-            </p:extLst>
-          </p:nvPr>
-        </p:nvSpPr>
-        <p:spPr>
-          <a:xfrm>
-            <a:off x="1114425" y="0"/>
-            <a:ext cx="9963150" cy="6858000"/>
-          </a:xfrm>
-          <a:custGeom>
-            <a:avLst/>
-            <a:gdLst>
-              <a:gd name="connsiteX0" fmla="*/ 1595771 w 9963150"/>
-              <a:gd name="connsiteY0" fmla="*/ 0 h 6858000"/>
-              <a:gd name="connsiteX1" fmla="*/ 8367379 w 9963150"/>
-              <a:gd name="connsiteY1" fmla="*/ 0 h 6858000"/>
-              <a:gd name="connsiteX2" fmla="*/ 8504080 w 9963150"/>
-              <a:gd name="connsiteY2" fmla="*/ 130333 h 6858000"/>
-              <a:gd name="connsiteX3" fmla="*/ 9963150 w 9963150"/>
-              <a:gd name="connsiteY3" fmla="*/ 3652838 h 6858000"/>
-              <a:gd name="connsiteX4" fmla="*/ 8825600 w 9963150"/>
-              <a:gd name="connsiteY4" fmla="*/ 6821583 h 6858000"/>
-              <a:gd name="connsiteX5" fmla="*/ 8794055 w 9963150"/>
-              <a:gd name="connsiteY5" fmla="*/ 6858000 h 6858000"/>
-              <a:gd name="connsiteX6" fmla="*/ 1169096 w 9963150"/>
-              <a:gd name="connsiteY6" fmla="*/ 6858000 h 6858000"/>
-              <a:gd name="connsiteX7" fmla="*/ 1137550 w 9963150"/>
-              <a:gd name="connsiteY7" fmla="*/ 6821583 h 6858000"/>
-              <a:gd name="connsiteX8" fmla="*/ 0 w 9963150"/>
-              <a:gd name="connsiteY8" fmla="*/ 3652838 h 6858000"/>
-              <a:gd name="connsiteX9" fmla="*/ 1459070 w 9963150"/>
-              <a:gd name="connsiteY9" fmla="*/ 130333 h 6858000"/>
-            </a:gdLst>
-            <a:ahLst/>
-            <a:cxnLst>
-              <a:cxn ang="0">
-                <a:pos x="connsiteX0" y="connsiteY0"/>
-              </a:cxn>
-              <a:cxn ang="0">
-                <a:pos x="connsiteX1" y="connsiteY1"/>
-              </a:cxn>
-              <a:cxn ang="0">
-                <a:pos x="connsiteX2" y="connsiteY2"/>
-              </a:cxn>
-              <a:cxn ang="0">
-                <a:pos x="connsiteX3" y="connsiteY3"/>
-              </a:cxn>
-              <a:cxn ang="0">
-                <a:pos x="connsiteX4" y="connsiteY4"/>
-              </a:cxn>
-              <a:cxn ang="0">
-                <a:pos x="connsiteX5" y="connsiteY5"/>
-              </a:cxn>
-              <a:cxn ang="0">
-                <a:pos x="connsiteX6" y="connsiteY6"/>
-              </a:cxn>
-              <a:cxn ang="0">
-                <a:pos x="connsiteX7" y="connsiteY7"/>
-              </a:cxn>
-              <a:cxn ang="0">
-                <a:pos x="connsiteX8" y="connsiteY8"/>
-              </a:cxn>
-              <a:cxn ang="0">
-                <a:pos x="connsiteX9" y="connsiteY9"/>
-              </a:cxn>
-            </a:cxnLst>
-            <a:rect l="l" t="t" r="r" b="b"/>
-            <a:pathLst>
-              <a:path w="9963150" h="6858000">
-                <a:moveTo>
-                  <a:pt x="1595771" y="0"/>
-                </a:moveTo>
-                <a:lnTo>
-                  <a:pt x="8367379" y="0"/>
-                </a:lnTo>
-                <a:lnTo>
-                  <a:pt x="8504080" y="130333"/>
-                </a:lnTo>
-                <a:cubicBezTo>
-                  <a:pt x="9405568" y="1031820"/>
-                  <a:pt x="9963150" y="2277214"/>
-                  <a:pt x="9963150" y="3652838"/>
-                </a:cubicBezTo>
-                <a:cubicBezTo>
-                  <a:pt x="9963150" y="4856509"/>
-                  <a:pt x="9536251" y="5960473"/>
-                  <a:pt x="8825600" y="6821583"/>
-                </a:cubicBezTo>
-                <a:lnTo>
-                  <a:pt x="8794055" y="6858000"/>
-                </a:lnTo>
-                <a:lnTo>
-                  <a:pt x="1169096" y="6858000"/>
-                </a:lnTo>
-                <a:lnTo>
-                  <a:pt x="1137550" y="6821583"/>
-                </a:lnTo>
-                <a:cubicBezTo>
-                  <a:pt x="426899" y="5960473"/>
-                  <a:pt x="0" y="4856509"/>
-                  <a:pt x="0" y="3652838"/>
-                </a:cubicBezTo>
-                <a:cubicBezTo>
-                  <a:pt x="0" y="2277214"/>
-                  <a:pt x="557582" y="1031820"/>
-                  <a:pt x="1459070" y="130333"/>
-                </a:cubicBezTo>
-                <a:close/>
-              </a:path>
-            </a:pathLst>
-          </a:custGeom>
-          <a:ln w="9525">
-            <a:solidFill>
-              <a:srgbClr val="EFEFEF"/>
-            </a:solidFill>
-          </a:ln>
-          <a:effectLst>
-            <a:outerShdw blurRad="139700" sx="102000" sy="102000" algn="ctr" rotWithShape="0">
-              <a:schemeClr val="bg1">
-                <a:lumMod val="85000"/>
-                <a:alpha val="38000"/>
-              </a:schemeClr>
-            </a:outerShdw>
-          </a:effectLst>
-        </p:spPr>
-        <p:style>
-          <a:lnRef idx="2">
-            <a:schemeClr val="accent1">
-              <a:shade val="50000"/>
-            </a:schemeClr>
-          </a:lnRef>
-          <a:fillRef idx="1">
-            <a:schemeClr val="accent1"/>
-          </a:fillRef>
-          <a:effectRef idx="0">
-            <a:schemeClr val="accent1"/>
-          </a:effectRef>
-          <a:fontRef idx="minor">
-            <a:schemeClr val="lt1"/>
-          </a:fontRef>
-        </p:style>
-        <p:txBody>
-          <a:bodyPr wrap="square" rtlCol="0" anchor="ctr">
-            <a:noAutofit/>
-          </a:bodyPr>
-          <a:lstStyle/>
-          <a:p>
-            <a:pPr marL="0" marR="0" lvl="0" indent="0" algn="ctr" defTabSz="914400" rtl="0" eaLnBrk="1" fontAlgn="auto" latinLnBrk="0" hangingPunct="1">
-              <a:lnSpc>
-                <a:spcPct val="100000"/>
-              </a:lnSpc>
-              <a:spcBef>
-                <a:spcPts val="0"/>
-              </a:spcBef>
-              <a:spcAft>
-                <a:spcPts val="0"/>
-              </a:spcAft>
-              <a:buClrTx/>
-              <a:buSzTx/>
-              <a:buFontTx/>
-              <a:buNone/>
-              <a:tabLst/>
-              <a:defRPr/>
-            </a:pPr>
-            <a:endParaRPr kumimoji="0" lang="en-US" sz="1800" b="0" i="0" u="none" strike="noStrike" kern="1200" cap="none" spc="0" normalizeH="0" baseline="0" noProof="0">
-              <a:ln>
-                <a:noFill/>
-              </a:ln>
-              <a:solidFill>
-                <a:prstClr val="white"/>
-              </a:solidFill>
-              <a:effectLst/>
-              <a:uLnTx/>
-              <a:uFillTx/>
-              <a:latin typeface="Calibri" panose="020F0502020204030204"/>
-              <a:ea typeface="+mn-ea"/>
-              <a:cs typeface="+mn-cs"/>
-            </a:endParaRPr>
-          </a:p>
-        </p:txBody>
-      </p:sp>
-      <p:sp useBgFill="1">
-        <p:nvSpPr>
-          <p:cNvPr id="11" name="Freeform: Shape 10">
-            <a:extLst>
-              <a:ext uri="{FF2B5EF4-FFF2-40B4-BE49-F238E27FC236}">
-                <a16:creationId xmlns:a16="http://schemas.microsoft.com/office/drawing/2014/main" id="{C7F28D52-2A5F-4D23-81AE-7CB8B591C7AF}"/>
-              </a:ext>
-              <a:ext uri="{C183D7F6-B498-43B3-948B-1728B52AA6E4}">
-                <adec:decorative xmlns:adec="http://schemas.microsoft.com/office/drawing/2017/decorative" val="1"/>
-              </a:ext>
-            </a:extLst>
-          </p:cNvPr>
-          <p:cNvSpPr>
-            <a:spLocks noGrp="1" noRot="1" noChangeAspect="1" noMove="1" noResize="1" noEditPoints="1" noAdjustHandles="1" noChangeArrowheads="1" noChangeShapeType="1" noTextEdit="1"/>
-          </p:cNvSpPr>
-          <p:nvPr>
-            <p:extLst>
-              <p:ext uri="{386F3935-93C4-4BCD-93E2-E3B085C9AB24}">
-                <p16:designElem xmlns:p16="http://schemas.microsoft.com/office/powerpoint/2015/main" val="1"/>
-              </p:ext>
-            </p:extLst>
-          </p:nvPr>
-        </p:nvSpPr>
-        <p:spPr>
-          <a:xfrm>
-            <a:off x="1121664" y="0"/>
-            <a:ext cx="9948672" cy="6858000"/>
-          </a:xfrm>
-          <a:custGeom>
-            <a:avLst/>
-            <a:gdLst>
-              <a:gd name="connsiteX0" fmla="*/ 1595771 w 9963150"/>
-              <a:gd name="connsiteY0" fmla="*/ 0 h 6858000"/>
-              <a:gd name="connsiteX1" fmla="*/ 8367379 w 9963150"/>
-              <a:gd name="connsiteY1" fmla="*/ 0 h 6858000"/>
-              <a:gd name="connsiteX2" fmla="*/ 8504080 w 9963150"/>
-              <a:gd name="connsiteY2" fmla="*/ 130333 h 6858000"/>
-              <a:gd name="connsiteX3" fmla="*/ 9963150 w 9963150"/>
-              <a:gd name="connsiteY3" fmla="*/ 3652838 h 6858000"/>
-              <a:gd name="connsiteX4" fmla="*/ 8825600 w 9963150"/>
-              <a:gd name="connsiteY4" fmla="*/ 6821583 h 6858000"/>
-              <a:gd name="connsiteX5" fmla="*/ 8794055 w 9963150"/>
-              <a:gd name="connsiteY5" fmla="*/ 6858000 h 6858000"/>
-              <a:gd name="connsiteX6" fmla="*/ 1169096 w 9963150"/>
-              <a:gd name="connsiteY6" fmla="*/ 6858000 h 6858000"/>
-              <a:gd name="connsiteX7" fmla="*/ 1137550 w 9963150"/>
-              <a:gd name="connsiteY7" fmla="*/ 6821583 h 6858000"/>
-              <a:gd name="connsiteX8" fmla="*/ 0 w 9963150"/>
-              <a:gd name="connsiteY8" fmla="*/ 3652838 h 6858000"/>
-              <a:gd name="connsiteX9" fmla="*/ 1459070 w 9963150"/>
-              <a:gd name="connsiteY9" fmla="*/ 130333 h 6858000"/>
-            </a:gdLst>
-            <a:ahLst/>
-            <a:cxnLst>
-              <a:cxn ang="0">
-                <a:pos x="connsiteX0" y="connsiteY0"/>
-              </a:cxn>
-              <a:cxn ang="0">
-                <a:pos x="connsiteX1" y="connsiteY1"/>
-              </a:cxn>
-              <a:cxn ang="0">
-                <a:pos x="connsiteX2" y="connsiteY2"/>
-              </a:cxn>
-              <a:cxn ang="0">
-                <a:pos x="connsiteX3" y="connsiteY3"/>
-              </a:cxn>
-              <a:cxn ang="0">
-                <a:pos x="connsiteX4" y="connsiteY4"/>
-              </a:cxn>
-              <a:cxn ang="0">
-                <a:pos x="connsiteX5" y="connsiteY5"/>
-              </a:cxn>
-              <a:cxn ang="0">
-                <a:pos x="connsiteX6" y="connsiteY6"/>
-              </a:cxn>
-              <a:cxn ang="0">
-                <a:pos x="connsiteX7" y="connsiteY7"/>
-              </a:cxn>
-              <a:cxn ang="0">
-                <a:pos x="connsiteX8" y="connsiteY8"/>
-              </a:cxn>
-              <a:cxn ang="0">
-                <a:pos x="connsiteX9" y="connsiteY9"/>
-              </a:cxn>
-            </a:cxnLst>
-            <a:rect l="l" t="t" r="r" b="b"/>
-            <a:pathLst>
-              <a:path w="9963150" h="6858000">
-                <a:moveTo>
-                  <a:pt x="1595771" y="0"/>
-                </a:moveTo>
-                <a:lnTo>
-                  <a:pt x="8367379" y="0"/>
-                </a:lnTo>
-                <a:lnTo>
-                  <a:pt x="8504080" y="130333"/>
-                </a:lnTo>
-                <a:cubicBezTo>
-                  <a:pt x="9405568" y="1031820"/>
-                  <a:pt x="9963150" y="2277214"/>
-                  <a:pt x="9963150" y="3652838"/>
-                </a:cubicBezTo>
-                <a:cubicBezTo>
-                  <a:pt x="9963150" y="4856509"/>
-                  <a:pt x="9536251" y="5960473"/>
-                  <a:pt x="8825600" y="6821583"/>
-                </a:cubicBezTo>
-                <a:lnTo>
-                  <a:pt x="8794055" y="6858000"/>
-                </a:lnTo>
-                <a:lnTo>
-                  <a:pt x="1169096" y="6858000"/>
-                </a:lnTo>
-                <a:lnTo>
-                  <a:pt x="1137550" y="6821583"/>
-                </a:lnTo>
-                <a:cubicBezTo>
-                  <a:pt x="426899" y="5960473"/>
-                  <a:pt x="0" y="4856509"/>
-                  <a:pt x="0" y="3652838"/>
-                </a:cubicBezTo>
-                <a:cubicBezTo>
-                  <a:pt x="0" y="2277214"/>
-                  <a:pt x="557582" y="1031820"/>
-                  <a:pt x="1459070" y="130333"/>
-                </a:cubicBezTo>
-                <a:close/>
-              </a:path>
-            </a:pathLst>
-          </a:custGeom>
-          <a:ln w="9525">
-            <a:noFill/>
-          </a:ln>
-          <a:effectLst/>
-        </p:spPr>
-        <p:style>
-          <a:lnRef idx="2">
-            <a:schemeClr val="accent1">
-              <a:shade val="50000"/>
-            </a:schemeClr>
-          </a:lnRef>
-          <a:fillRef idx="1">
-            <a:schemeClr val="accent1"/>
-          </a:fillRef>
-          <a:effectRef idx="0">
-            <a:schemeClr val="accent1"/>
-          </a:effectRef>
-          <a:fontRef idx="minor">
-            <a:schemeClr val="lt1"/>
-          </a:fontRef>
-        </p:style>
-        <p:txBody>
-          <a:bodyPr wrap="square" rtlCol="0" anchor="ctr">
-            <a:noAutofit/>
-          </a:bodyPr>
-          <a:lstStyle/>
-          <a:p>
-            <a:pPr marL="0" marR="0" lvl="0" indent="0" algn="ctr" defTabSz="914400" rtl="0" eaLnBrk="1" fontAlgn="auto" latinLnBrk="0" hangingPunct="1">
-              <a:lnSpc>
-                <a:spcPct val="100000"/>
-              </a:lnSpc>
-              <a:spcBef>
-                <a:spcPts val="0"/>
-              </a:spcBef>
-              <a:spcAft>
-                <a:spcPts val="0"/>
-              </a:spcAft>
-              <a:buClrTx/>
-              <a:buSzTx/>
-              <a:buFontTx/>
-              <a:buNone/>
-              <a:tabLst/>
-              <a:defRPr/>
-            </a:pPr>
-            <a:endParaRPr kumimoji="0" lang="en-US" sz="1800" b="0" i="0" u="none" strike="noStrike" kern="1200" cap="none" spc="0" normalizeH="0" baseline="0" noProof="0">
-              <a:ln>
-                <a:noFill/>
-              </a:ln>
-              <a:solidFill>
-                <a:prstClr val="white"/>
-              </a:solidFill>
-              <a:effectLst/>
-              <a:uLnTx/>
-              <a:uFillTx/>
-              <a:latin typeface="Calibri" panose="020F0502020204030204"/>
-              <a:ea typeface="+mn-ea"/>
-              <a:cs typeface="+mn-cs"/>
-            </a:endParaRPr>
-          </a:p>
-        </p:txBody>
-      </p:sp>
-      <p:sp>
-        <p:nvSpPr>
-          <p:cNvPr id="13" name="Rectangle 12">
-            <a:extLst>
-              <a:ext uri="{FF2B5EF4-FFF2-40B4-BE49-F238E27FC236}">
-                <a16:creationId xmlns:a16="http://schemas.microsoft.com/office/drawing/2014/main" id="{3629484E-3792-4B3D-89AD-7C8A1ED0E0D4}"/>
-              </a:ext>
-              <a:ext uri="{C183D7F6-B498-43B3-948B-1728B52AA6E4}">
-                <adec:decorative xmlns:adec="http://schemas.microsoft.com/office/drawing/2017/decorative" val="1"/>
-              </a:ext>
-            </a:extLst>
-          </p:cNvPr>
-          <p:cNvSpPr>
-            <a:spLocks noGrp="1" noRot="1" noChangeAspect="1" noMove="1" noResize="1" noEditPoints="1" noAdjustHandles="1" noChangeArrowheads="1" noChangeShapeType="1" noTextEdit="1"/>
-          </p:cNvSpPr>
-          <p:nvPr>
-            <p:extLst>
-              <p:ext uri="{386F3935-93C4-4BCD-93E2-E3B085C9AB24}">
-                <p16:designElem xmlns:p16="http://schemas.microsoft.com/office/powerpoint/2015/main" val="1"/>
-              </p:ext>
-            </p:extLst>
-          </p:nvPr>
-        </p:nvSpPr>
-        <p:spPr>
-          <a:xfrm>
-            <a:off x="3718560" y="5524786"/>
-            <a:ext cx="4754880" cy="27432"/>
-          </a:xfrm>
-          <a:prstGeom prst="rect">
-            <a:avLst/>
-          </a:prstGeom>
-          <a:solidFill>
-            <a:schemeClr val="accent2"/>
-          </a:solidFill>
-          <a:ln>
-            <a:noFill/>
-          </a:ln>
-        </p:spPr>
-        <p:style>
-          <a:lnRef idx="2">
-            <a:schemeClr val="accent1">
-              <a:shade val="50000"/>
-            </a:schemeClr>
-          </a:lnRef>
-          <a:fillRef idx="1">
-            <a:schemeClr val="accent1"/>
-          </a:fillRef>
-          <a:effectRef idx="0">
-            <a:schemeClr val="accent1"/>
-          </a:effectRef>
-          <a:fontRef idx="minor">
-            <a:schemeClr val="lt1"/>
-          </a:fontRef>
-        </p:style>
-        <p:txBody>
-          <a:bodyPr rtlCol="0" anchor="ctr"/>
-          <a:lstStyle/>
-          <a:p>
-            <a:pPr marL="0" marR="0" lvl="0" indent="0" algn="ctr" defTabSz="914400" rtl="0" eaLnBrk="1" fontAlgn="auto" latinLnBrk="0" hangingPunct="1">
-              <a:lnSpc>
-                <a:spcPct val="100000"/>
-              </a:lnSpc>
-              <a:spcBef>
-                <a:spcPts val="0"/>
-              </a:spcBef>
-              <a:spcAft>
-                <a:spcPts val="0"/>
-              </a:spcAft>
-              <a:buClrTx/>
-              <a:buSzTx/>
-              <a:buFontTx/>
-              <a:buNone/>
-              <a:tabLst/>
-              <a:defRPr/>
-            </a:pPr>
-            <a:endParaRPr kumimoji="0" lang="en-US" sz="1800" b="0" i="0" u="none" strike="noStrike" kern="1200" cap="none" spc="0" normalizeH="0" baseline="0" noProof="0">
-              <a:ln>
-                <a:noFill/>
-              </a:ln>
-              <a:solidFill>
-                <a:prstClr val="white"/>
-              </a:solidFill>
-              <a:effectLst/>
-              <a:uLnTx/>
-              <a:uFillTx/>
-              <a:latin typeface="Calibri" panose="020F0502020204030204"/>
-              <a:ea typeface="+mn-ea"/>
-              <a:cs typeface="+mn-cs"/>
-            </a:endParaRPr>
-          </a:p>
-        </p:txBody>
-      </p:sp>
       <p:sp>
         <p:nvSpPr>
           <p:cNvPr id="5" name="Title 4">
@@ -7268,7 +6688,7 @@
                   </a:innerShdw>
                 </a:effectLst>
               </a:rPr>
-              <a:t>Towards Probabilistic Fair Order</a:t>
+              <a:t>Probabilistic Fair Order of Events</a:t>
             </a:r>
             <a:endParaRPr lang="en-US" sz="7200" dirty="0"/>
           </a:p>
@@ -7309,7 +6729,7 @@
             </a:r>
             <a:r>
               <a:rPr lang="en-US" sz="2400" dirty="0"/>
-              <a:t>, Jinkun Geng, Radhika Mittal, Aurojit Panda, Srinivas Narayana, Anirudh Sivaraman</a:t>
+              <a:t>, Jinkun Geng, Aurojit Panda, Radhika Mittal, Nirav Atre, Srinivas Narayana, Anirudh Sivaraman</a:t>
             </a:r>
           </a:p>
         </p:txBody>
@@ -7328,7 +6748,7 @@
         </p:nvSpPr>
         <p:spPr>
           <a:xfrm>
-            <a:off x="2126577" y="4989129"/>
+            <a:off x="2494439" y="5020766"/>
             <a:ext cx="7983415" cy="461665"/>
           </a:xfrm>
           <a:prstGeom prst="rect">
@@ -7345,7 +6765,7 @@
             <a:pPr algn="ctr"/>
             <a:r>
               <a:rPr lang="en-US" sz="2400" dirty="0"/>
-              <a:t>NYU,  UIUC,  Rutgers University</a:t>
+              <a:t>NYU,  UIUC,  Rutgers University, CMU, Jane Street</a:t>
             </a:r>
           </a:p>
         </p:txBody>
@@ -7450,7 +6870,7 @@
         </p:blipFill>
         <p:spPr>
           <a:xfrm>
-            <a:off x="9777727" y="4019818"/>
+            <a:off x="7722100" y="4030218"/>
             <a:ext cx="261486" cy="261486"/>
           </a:xfrm>
           <a:prstGeom prst="rect">
@@ -7486,7 +6906,7 @@
         </p:blipFill>
         <p:spPr>
           <a:xfrm>
-            <a:off x="8473440" y="4426179"/>
+            <a:off x="9198654" y="4393552"/>
             <a:ext cx="261486" cy="261486"/>
           </a:xfrm>
           <a:prstGeom prst="rect">
@@ -7558,7 +6978,7 @@
         </p:blipFill>
         <p:spPr>
           <a:xfrm>
-            <a:off x="5867399" y="4459066"/>
+            <a:off x="6592612" y="4459066"/>
             <a:ext cx="195712" cy="195712"/>
           </a:xfrm>
           <a:prstGeom prst="rect">
@@ -7630,7 +7050,7 @@
         </p:blipFill>
         <p:spPr>
           <a:xfrm>
-            <a:off x="7904378" y="4052705"/>
+            <a:off x="9873444" y="4050288"/>
             <a:ext cx="195712" cy="195712"/>
           </a:xfrm>
           <a:prstGeom prst="rect">
@@ -7708,10 +7128,82 @@
           </a:p>
         </p:txBody>
       </p:sp>
+      <p:pic>
+        <p:nvPicPr>
+          <p:cNvPr id="17" name="Graphic 16" descr="Palm tree with solid fill">
+            <a:extLst>
+              <a:ext uri="{FF2B5EF4-FFF2-40B4-BE49-F238E27FC236}">
+                <a16:creationId xmlns:a16="http://schemas.microsoft.com/office/drawing/2014/main" id="{661BDCBC-C542-804C-246E-422C51735C5E}"/>
+              </a:ext>
+            </a:extLst>
+          </p:cNvPr>
+          <p:cNvPicPr>
+            <a:picLocks noChangeAspect="1"/>
+          </p:cNvPicPr>
+          <p:nvPr/>
+        </p:nvPicPr>
+        <p:blipFill>
+          <a:blip r:embed="rId9">
+            <a:extLst>
+              <a:ext uri="{96DAC541-7B7A-43D3-8B79-37D633B846F1}">
+                <asvg:svgBlip xmlns:asvg="http://schemas.microsoft.com/office/drawing/2016/SVG/main" r:embed="rId10"/>
+              </a:ext>
+            </a:extLst>
+          </a:blip>
+          <a:stretch>
+            <a:fillRect/>
+          </a:stretch>
+        </p:blipFill>
+        <p:spPr>
+          <a:xfrm>
+            <a:off x="8163123" y="4924518"/>
+            <a:ext cx="271653" cy="271653"/>
+          </a:xfrm>
+          <a:prstGeom prst="rect">
+            <a:avLst/>
+          </a:prstGeom>
+        </p:spPr>
+      </p:pic>
+      <p:pic>
+        <p:nvPicPr>
+          <p:cNvPr id="18" name="Graphic 17" descr="Palm tree with solid fill">
+            <a:extLst>
+              <a:ext uri="{FF2B5EF4-FFF2-40B4-BE49-F238E27FC236}">
+                <a16:creationId xmlns:a16="http://schemas.microsoft.com/office/drawing/2014/main" id="{67292B36-615A-5218-5F0C-97C94FB96915}"/>
+              </a:ext>
+            </a:extLst>
+          </p:cNvPr>
+          <p:cNvPicPr>
+            <a:picLocks noChangeAspect="1"/>
+          </p:cNvPicPr>
+          <p:nvPr/>
+        </p:nvPicPr>
+        <p:blipFill>
+          <a:blip r:embed="rId9">
+            <a:extLst>
+              <a:ext uri="{96DAC541-7B7A-43D3-8B79-37D633B846F1}">
+                <asvg:svgBlip xmlns:asvg="http://schemas.microsoft.com/office/drawing/2016/SVG/main" r:embed="rId10"/>
+              </a:ext>
+            </a:extLst>
+          </a:blip>
+          <a:stretch>
+            <a:fillRect/>
+          </a:stretch>
+        </p:blipFill>
+        <p:spPr>
+          <a:xfrm>
+            <a:off x="4076799" y="4450094"/>
+            <a:ext cx="271653" cy="271653"/>
+          </a:xfrm>
+          <a:prstGeom prst="rect">
+            <a:avLst/>
+          </a:prstGeom>
+        </p:spPr>
+      </p:pic>
     </p:spTree>
     <p:extLst>
       <p:ext uri="{BB962C8B-B14F-4D97-AF65-F5344CB8AC3E}">
-        <p14:creationId xmlns:p14="http://schemas.microsoft.com/office/powerpoint/2010/main" val="812535613"/>
+        <p14:creationId xmlns:p14="http://schemas.microsoft.com/office/powerpoint/2010/main" val="3893071349"/>
       </p:ext>
     </p:extLst>
   </p:cSld>
